--- a/slides/00-Airlift Opening.pptx
+++ b/slides/00-Airlift Opening.pptx
@@ -5,10 +5,10 @@
     <p:sldMasterId id="2147484229" r:id="rId4"/>
   </p:sldMasterIdLst>
   <p:notesMasterIdLst>
-    <p:notesMasterId r:id="rId21"/>
+    <p:notesMasterId r:id="rId23"/>
   </p:notesMasterIdLst>
   <p:handoutMasterIdLst>
-    <p:handoutMasterId r:id="rId22"/>
+    <p:handoutMasterId r:id="rId24"/>
   </p:handoutMasterIdLst>
   <p:sldIdLst>
     <p:sldId id="258" r:id="rId5"/>
@@ -22,11 +22,13 @@
     <p:sldId id="3379" r:id="rId13"/>
     <p:sldId id="3380" r:id="rId14"/>
     <p:sldId id="3381" r:id="rId15"/>
-    <p:sldId id="3384" r:id="rId16"/>
-    <p:sldId id="3385" r:id="rId17"/>
-    <p:sldId id="3382" r:id="rId18"/>
-    <p:sldId id="3386" r:id="rId19"/>
-    <p:sldId id="3387" r:id="rId20"/>
+    <p:sldId id="3389" r:id="rId16"/>
+    <p:sldId id="3384" r:id="rId17"/>
+    <p:sldId id="3385" r:id="rId18"/>
+    <p:sldId id="3390" r:id="rId19"/>
+    <p:sldId id="3382" r:id="rId20"/>
+    <p:sldId id="3386" r:id="rId21"/>
+    <p:sldId id="3387" r:id="rId22"/>
   </p:sldIdLst>
   <p:sldSz cx="12192000" cy="6858000"/>
   <p:notesSz cx="6858000" cy="9144000"/>
@@ -261,7 +263,7 @@
               <a:rPr lang="en-US" smtClean="0">
                 <a:latin typeface="Segoe UI" pitchFamily="34" charset="0"/>
               </a:rPr>
-              <a:t>1/16/2019 4:05 PM</a:t>
+              <a:t>1/17/2019 4:07 PM</a:t>
             </a:fld>
             <a:endParaRPr lang="en-US" dirty="0">
               <a:latin typeface="Segoe UI" pitchFamily="34" charset="0"/>
@@ -539,7 +541,7 @@
           <a:p>
             <a:fld id="{2A684A5B-FAB6-4A00-8C57-4D12C178E703}" type="datetime8">
               <a:rPr lang="en-US" smtClean="0"/>
-              <a:t>1/16/2019 4:05 PM</a:t>
+              <a:t>1/17/2019 4:07 PM</a:t>
             </a:fld>
             <a:endParaRPr lang="en-US" dirty="0"/>
           </a:p>
@@ -7134,54 +7136,146 @@
         </p:nvSpPr>
         <p:spPr>
           <a:xfrm>
-            <a:off x="635000" y="1133554"/>
-            <a:ext cx="9144000" cy="3323987"/>
+            <a:off x="501650" y="1198602"/>
+            <a:ext cx="9144000" cy="553998"/>
           </a:xfrm>
         </p:spPr>
         <p:txBody>
           <a:bodyPr/>
           <a:lstStyle/>
           <a:p>
-            <a:br>
+            <a:r>
               <a:rPr lang="en-US" dirty="0"/>
-            </a:br>
-            <a:r>
-              <a:rPr lang="en-US" dirty="0"/>
-              <a:t>Let’s go!</a:t>
-            </a:r>
-            <a:br>
-              <a:rPr lang="en-US" dirty="0"/>
-            </a:br>
-            <a:br>
-              <a:rPr lang="en-US" dirty="0"/>
-            </a:br>
-            <a:r>
-              <a:rPr lang="en-US" dirty="0">
-                <a:hlinkClick r:id="rId2"/>
-              </a:rPr>
-              <a:t>http://aka.ms/LearnAI-Airlift</a:t>
-            </a:r>
-            <a:r>
-              <a:rPr lang="en-US" dirty="0"/>
-              <a:t> </a:t>
-            </a:r>
-            <a:br>
-              <a:rPr lang="en-US" dirty="0"/>
-            </a:br>
-            <a:br>
-              <a:rPr lang="en-US" dirty="0"/>
-            </a:br>
-            <a:r>
-              <a:rPr lang="en-US" dirty="0"/>
-              <a:t> </a:t>
-            </a:r>
+              <a:t>Breaking News</a:t>
+            </a:r>
+          </a:p>
+        </p:txBody>
+      </p:sp>
+      <p:sp>
+        <p:nvSpPr>
+          <p:cNvPr id="6" name="Rectangle 5">
+            <a:extLst>
+              <a:ext uri="{FF2B5EF4-FFF2-40B4-BE49-F238E27FC236}">
+                <a16:creationId xmlns:a16="http://schemas.microsoft.com/office/drawing/2014/main" id="{DC5B1136-61F9-4D36-B1B5-ED067024783A}"/>
+              </a:ext>
+            </a:extLst>
+          </p:cNvPr>
+          <p:cNvSpPr/>
+          <p:nvPr/>
+        </p:nvSpPr>
+        <p:spPr>
+          <a:xfrm>
+            <a:off x="368300" y="2193083"/>
+            <a:ext cx="9044148" cy="3170099"/>
+          </a:xfrm>
+          <a:prstGeom prst="rect">
+            <a:avLst/>
+          </a:prstGeom>
+        </p:spPr>
+        <p:txBody>
+          <a:bodyPr wrap="square">
+            <a:spAutoFit/>
+          </a:bodyPr>
+          <a:lstStyle/>
+          <a:p>
+            <a:pPr marL="285750" indent="-285750">
+              <a:buFont typeface="Arial" panose="020B0604020202020204" pitchFamily="34" charset="0"/>
+              <a:buChar char="•"/>
+            </a:pPr>
+            <a:r>
+              <a:rPr lang="en-US" sz="2000" b="1" dirty="0"/>
+              <a:t>Going to Private Preview – Invitation Only</a:t>
+            </a:r>
+          </a:p>
+          <a:p>
+            <a:pPr marL="285750" indent="-285750">
+              <a:buFont typeface="Arial" panose="020B0604020202020204" pitchFamily="34" charset="0"/>
+              <a:buChar char="•"/>
+            </a:pPr>
+            <a:r>
+              <a:rPr lang="en-US" sz="2000" b="1" dirty="0"/>
+              <a:t>Personalization and Optimization</a:t>
+            </a:r>
+          </a:p>
+          <a:p>
+            <a:pPr marL="285750" indent="-285750">
+              <a:buFont typeface="Arial" panose="020B0604020202020204" pitchFamily="34" charset="0"/>
+              <a:buChar char="•"/>
+            </a:pPr>
+            <a:r>
+              <a:rPr lang="en-US" sz="2000" b="1" dirty="0"/>
+              <a:t>Based on Reinforcement Learning</a:t>
+            </a:r>
+          </a:p>
+          <a:p>
+            <a:pPr marL="742933" lvl="1" indent="-285750">
+              <a:buFont typeface="Arial" panose="020B0604020202020204" pitchFamily="34" charset="0"/>
+              <a:buChar char="•"/>
+            </a:pPr>
+            <a:r>
+              <a:rPr lang="en-US" sz="2000" b="1" dirty="0"/>
+              <a:t>Learns from the real world based on feedback</a:t>
+            </a:r>
+          </a:p>
+          <a:p>
+            <a:pPr marL="742933" lvl="1" indent="-285750">
+              <a:buFont typeface="Arial" panose="020B0604020202020204" pitchFamily="34" charset="0"/>
+              <a:buChar char="•"/>
+            </a:pPr>
+            <a:r>
+              <a:rPr lang="en-US" sz="2000" b="1" dirty="0"/>
+              <a:t>Don’t need to label the data</a:t>
+            </a:r>
+          </a:p>
+          <a:p>
+            <a:pPr marL="742933" lvl="1" indent="-285750">
+              <a:buFont typeface="Arial" panose="020B0604020202020204" pitchFamily="34" charset="0"/>
+              <a:buChar char="•"/>
+            </a:pPr>
+            <a:r>
+              <a:rPr lang="en-US" sz="2000" b="1" dirty="0"/>
+              <a:t>Don’t need to train your model</a:t>
+            </a:r>
+          </a:p>
+          <a:p>
+            <a:pPr marL="742933" lvl="1" indent="-285750">
+              <a:buFont typeface="Arial" panose="020B0604020202020204" pitchFamily="34" charset="0"/>
+              <a:buChar char="•"/>
+            </a:pPr>
+            <a:r>
+              <a:rPr lang="en-US" sz="2000" b="1" dirty="0"/>
+              <a:t>AI suggests and you give a feedback, over and over</a:t>
+            </a:r>
+          </a:p>
+          <a:p>
+            <a:pPr marL="285750" indent="-285750">
+              <a:buFont typeface="Arial" panose="020B0604020202020204" pitchFamily="34" charset="0"/>
+              <a:buChar char="•"/>
+            </a:pPr>
+            <a:r>
+              <a:rPr lang="en-US" sz="2000" b="1" dirty="0"/>
+              <a:t>Used in Xbox, Bing, Office, Azure, Windows, Skype. </a:t>
+            </a:r>
+          </a:p>
+          <a:p>
+            <a:pPr marL="285750" indent="-285750">
+              <a:buFont typeface="Arial" panose="020B0604020202020204" pitchFamily="34" charset="0"/>
+              <a:buChar char="•"/>
+            </a:pPr>
+            <a:r>
+              <a:rPr lang="en-US" sz="2000" b="1" dirty="0"/>
+              <a:t>Now available to any developer.</a:t>
+            </a:r>
+          </a:p>
+          <a:p>
+            <a:endParaRPr lang="en-US" sz="2000" b="1" dirty="0"/>
           </a:p>
         </p:txBody>
       </p:sp>
     </p:spTree>
     <p:extLst>
       <p:ext uri="{BB962C8B-B14F-4D97-AF65-F5344CB8AC3E}">
-        <p14:creationId xmlns:p14="http://schemas.microsoft.com/office/powerpoint/2010/main" val="2628648499"/>
+        <p14:creationId xmlns:p14="http://schemas.microsoft.com/office/powerpoint/2010/main" val="2560464593"/>
       </p:ext>
     </p:extLst>
   </p:cSld>
@@ -7238,17 +7332,46 @@
         </p:nvSpPr>
         <p:spPr>
           <a:xfrm>
-            <a:off x="1066800" y="2534444"/>
-            <a:ext cx="9144000" cy="1231106"/>
+            <a:off x="635000" y="1133554"/>
+            <a:ext cx="9144000" cy="3323987"/>
           </a:xfrm>
         </p:spPr>
         <p:txBody>
           <a:bodyPr/>
           <a:lstStyle/>
           <a:p>
-            <a:r>
-              <a:rPr lang="en-US" sz="8000" dirty="0"/>
-              <a:t>Backup Slides</a:t>
+            <a:br>
+              <a:rPr lang="en-US" dirty="0"/>
+            </a:br>
+            <a:r>
+              <a:rPr lang="en-US" dirty="0"/>
+              <a:t>Let’s go!</a:t>
+            </a:r>
+            <a:br>
+              <a:rPr lang="en-US" dirty="0"/>
+            </a:br>
+            <a:br>
+              <a:rPr lang="en-US" dirty="0"/>
+            </a:br>
+            <a:r>
+              <a:rPr lang="en-US" dirty="0">
+                <a:hlinkClick r:id="rId2"/>
+              </a:rPr>
+              <a:t>http://aka.ms/LearnAI-Airlift</a:t>
+            </a:r>
+            <a:r>
+              <a:rPr lang="en-US" dirty="0"/>
+              <a:t> </a:t>
+            </a:r>
+            <a:br>
+              <a:rPr lang="en-US" dirty="0"/>
+            </a:br>
+            <a:br>
+              <a:rPr lang="en-US" dirty="0"/>
+            </a:br>
+            <a:r>
+              <a:rPr lang="en-US" dirty="0"/>
+              <a:t> </a:t>
             </a:r>
           </a:p>
         </p:txBody>
@@ -7256,7 +7379,7 @@
     </p:spTree>
     <p:extLst>
       <p:ext uri="{BB962C8B-B14F-4D97-AF65-F5344CB8AC3E}">
-        <p14:creationId xmlns:p14="http://schemas.microsoft.com/office/powerpoint/2010/main" val="318974586"/>
+        <p14:creationId xmlns:p14="http://schemas.microsoft.com/office/powerpoint/2010/main" val="2628648499"/>
       </p:ext>
     </p:extLst>
   </p:cSld>
@@ -7313,8 +7436,8 @@
         </p:nvSpPr>
         <p:spPr>
           <a:xfrm>
-            <a:off x="501650" y="1198602"/>
-            <a:ext cx="9144000" cy="553998"/>
+            <a:off x="1066800" y="2534444"/>
+            <a:ext cx="9144000" cy="1231106"/>
           </a:xfrm>
         </p:spPr>
         <p:txBody>
@@ -7322,8 +7445,8 @@
           <a:lstStyle/>
           <a:p>
             <a:r>
-              <a:rPr lang="en-US" dirty="0"/>
-              <a:t>Announcements</a:t>
+              <a:rPr lang="en-US" sz="8000" dirty="0"/>
+              <a:t>Backup Slides</a:t>
             </a:r>
           </a:p>
         </p:txBody>
@@ -7331,7 +7454,7 @@
     </p:spTree>
     <p:extLst>
       <p:ext uri="{BB962C8B-B14F-4D97-AF65-F5344CB8AC3E}">
-        <p14:creationId xmlns:p14="http://schemas.microsoft.com/office/powerpoint/2010/main" val="2642587419"/>
+        <p14:creationId xmlns:p14="http://schemas.microsoft.com/office/powerpoint/2010/main" val="318974586"/>
       </p:ext>
     </p:extLst>
   </p:cSld>
@@ -7398,6 +7521,186 @@
           <a:p>
             <a:r>
               <a:rPr lang="en-US" dirty="0"/>
+              <a:t>Breaking News</a:t>
+            </a:r>
+          </a:p>
+        </p:txBody>
+      </p:sp>
+      <p:pic>
+        <p:nvPicPr>
+          <p:cNvPr id="2" name="Picture 1">
+            <a:extLst>
+              <a:ext uri="{FF2B5EF4-FFF2-40B4-BE49-F238E27FC236}">
+                <a16:creationId xmlns:a16="http://schemas.microsoft.com/office/drawing/2014/main" id="{98C60FD8-D69D-40F6-B7A5-CD21FB1192D1}"/>
+              </a:ext>
+            </a:extLst>
+          </p:cNvPr>
+          <p:cNvPicPr>
+            <a:picLocks noChangeAspect="1"/>
+          </p:cNvPicPr>
+          <p:nvPr/>
+        </p:nvPicPr>
+        <p:blipFill>
+          <a:blip r:embed="rId2"/>
+          <a:stretch>
+            <a:fillRect/>
+          </a:stretch>
+        </p:blipFill>
+        <p:spPr>
+          <a:xfrm>
+            <a:off x="1207151" y="2045017"/>
+            <a:ext cx="8087851" cy="4412983"/>
+          </a:xfrm>
+          <a:prstGeom prst="rect">
+            <a:avLst/>
+          </a:prstGeom>
+        </p:spPr>
+      </p:pic>
+    </p:spTree>
+    <p:extLst>
+      <p:ext uri="{BB962C8B-B14F-4D97-AF65-F5344CB8AC3E}">
+        <p14:creationId xmlns:p14="http://schemas.microsoft.com/office/powerpoint/2010/main" val="572600280"/>
+      </p:ext>
+    </p:extLst>
+  </p:cSld>
+  <p:clrMapOvr>
+    <a:masterClrMapping/>
+  </p:clrMapOvr>
+  <mc:AlternateContent xmlns:mc="http://schemas.openxmlformats.org/markup-compatibility/2006" xmlns:p14="http://schemas.microsoft.com/office/powerpoint/2010/main">
+    <mc:Choice Requires="p14">
+      <p:transition spd="med" p14:dur="700">
+        <p:fade/>
+      </p:transition>
+    </mc:Choice>
+    <mc:Fallback xmlns="">
+      <p:transition spd="med">
+        <p:fade/>
+      </p:transition>
+    </mc:Fallback>
+  </mc:AlternateContent>
+</p:sld>
+</file>
+
+<file path=ppt/slides/slide16.xml><?xml version="1.0" encoding="utf-8"?>
+<p:sld xmlns:a="http://schemas.openxmlformats.org/drawingml/2006/main" xmlns:r="http://schemas.openxmlformats.org/officeDocument/2006/relationships" xmlns:p="http://schemas.openxmlformats.org/presentationml/2006/main">
+  <p:cSld>
+    <p:spTree>
+      <p:nvGrpSpPr>
+        <p:cNvPr id="1" name=""/>
+        <p:cNvGrpSpPr/>
+        <p:nvPr/>
+      </p:nvGrpSpPr>
+      <p:grpSpPr>
+        <a:xfrm>
+          <a:off x="0" y="0"/>
+          <a:ext cx="0" cy="0"/>
+          <a:chOff x="0" y="0"/>
+          <a:chExt cx="0" cy="0"/>
+        </a:xfrm>
+      </p:grpSpPr>
+      <p:sp>
+        <p:nvSpPr>
+          <p:cNvPr id="4" name="Title 3">
+            <a:extLst>
+              <a:ext uri="{FF2B5EF4-FFF2-40B4-BE49-F238E27FC236}">
+                <a16:creationId xmlns:a16="http://schemas.microsoft.com/office/drawing/2014/main" id="{79850671-DC31-4204-BA79-C472F6478216}"/>
+              </a:ext>
+            </a:extLst>
+          </p:cNvPr>
+          <p:cNvSpPr>
+            <a:spLocks noGrp="1"/>
+          </p:cNvSpPr>
+          <p:nvPr>
+            <p:ph type="title"/>
+          </p:nvPr>
+        </p:nvSpPr>
+        <p:spPr>
+          <a:xfrm>
+            <a:off x="501650" y="1198602"/>
+            <a:ext cx="9144000" cy="553998"/>
+          </a:xfrm>
+        </p:spPr>
+        <p:txBody>
+          <a:bodyPr/>
+          <a:lstStyle/>
+          <a:p>
+            <a:r>
+              <a:rPr lang="en-US" dirty="0"/>
+              <a:t>Announcements</a:t>
+            </a:r>
+          </a:p>
+        </p:txBody>
+      </p:sp>
+    </p:spTree>
+    <p:extLst>
+      <p:ext uri="{BB962C8B-B14F-4D97-AF65-F5344CB8AC3E}">
+        <p14:creationId xmlns:p14="http://schemas.microsoft.com/office/powerpoint/2010/main" val="2642587419"/>
+      </p:ext>
+    </p:extLst>
+  </p:cSld>
+  <p:clrMapOvr>
+    <a:masterClrMapping/>
+  </p:clrMapOvr>
+  <mc:AlternateContent xmlns:mc="http://schemas.openxmlformats.org/markup-compatibility/2006" xmlns:p14="http://schemas.microsoft.com/office/powerpoint/2010/main">
+    <mc:Choice Requires="p14">
+      <p:transition spd="med" p14:dur="700">
+        <p:fade/>
+      </p:transition>
+    </mc:Choice>
+    <mc:Fallback xmlns="">
+      <p:transition spd="med">
+        <p:fade/>
+      </p:transition>
+    </mc:Fallback>
+  </mc:AlternateContent>
+</p:sld>
+</file>
+
+<file path=ppt/slides/slide17.xml><?xml version="1.0" encoding="utf-8"?>
+<p:sld xmlns:a="http://schemas.openxmlformats.org/drawingml/2006/main" xmlns:r="http://schemas.openxmlformats.org/officeDocument/2006/relationships" xmlns:p="http://schemas.openxmlformats.org/presentationml/2006/main">
+  <p:cSld>
+    <p:spTree>
+      <p:nvGrpSpPr>
+        <p:cNvPr id="1" name=""/>
+        <p:cNvGrpSpPr/>
+        <p:nvPr/>
+      </p:nvGrpSpPr>
+      <p:grpSpPr>
+        <a:xfrm>
+          <a:off x="0" y="0"/>
+          <a:ext cx="0" cy="0"/>
+          <a:chOff x="0" y="0"/>
+          <a:chExt cx="0" cy="0"/>
+        </a:xfrm>
+      </p:grpSpPr>
+      <p:sp>
+        <p:nvSpPr>
+          <p:cNvPr id="4" name="Title 3">
+            <a:extLst>
+              <a:ext uri="{FF2B5EF4-FFF2-40B4-BE49-F238E27FC236}">
+                <a16:creationId xmlns:a16="http://schemas.microsoft.com/office/drawing/2014/main" id="{79850671-DC31-4204-BA79-C472F6478216}"/>
+              </a:ext>
+            </a:extLst>
+          </p:cNvPr>
+          <p:cNvSpPr>
+            <a:spLocks noGrp="1"/>
+          </p:cNvSpPr>
+          <p:nvPr>
+            <p:ph type="title"/>
+          </p:nvPr>
+        </p:nvSpPr>
+        <p:spPr>
+          <a:xfrm>
+            <a:off x="501650" y="1198602"/>
+            <a:ext cx="9144000" cy="553998"/>
+          </a:xfrm>
+        </p:spPr>
+        <p:txBody>
+          <a:bodyPr/>
+          <a:lstStyle/>
+          <a:p>
+            <a:r>
+              <a:rPr lang="en-US" dirty="0"/>
               <a:t>Opening Demos</a:t>
             </a:r>
           </a:p>
@@ -7477,7 +7780,7 @@
 </p:sld>
 </file>
 
-<file path=ppt/slides/slide16.xml><?xml version="1.0" encoding="utf-8"?>
+<file path=ppt/slides/slide18.xml><?xml version="1.0" encoding="utf-8"?>
 <p:sld xmlns:a="http://schemas.openxmlformats.org/drawingml/2006/main" xmlns:r="http://schemas.openxmlformats.org/officeDocument/2006/relationships" xmlns:p="http://schemas.openxmlformats.org/presentationml/2006/main">
   <p:cSld>
     <p:spTree>
@@ -9366,17 +9669,23 @@
             </a:pPr>
             <a:r>
               <a:rPr lang="en-US" sz="3200" b="1" u="sng" dirty="0"/>
-              <a:t>http://bit.ly/2TLIik3 </a:t>
-            </a:r>
-          </a:p>
-          <a:p>
-            <a:pPr lvl="0">
+              <a:t>http://bit.ly/2HrX8e6</a:t>
+            </a:r>
+            <a:endParaRPr lang="en-US" sz="3200" dirty="0"/>
+          </a:p>
+          <a:p>
+            <a:pPr marL="342900" lvl="0" indent="-342900">
               <a:lnSpc>
                 <a:spcPct val="150000"/>
               </a:lnSpc>
+              <a:buFont typeface="Arial" panose="020B0604020202020204" pitchFamily="34" charset="0"/>
+              <a:buChar char="•"/>
               <a:defRPr/>
             </a:pPr>
-            <a:endParaRPr lang="en-US" sz="3200" dirty="0"/>
+            <a:r>
+              <a:rPr lang="en-US" sz="3200" dirty="0"/>
+              <a:t>Case Sensitive!!</a:t>
+            </a:r>
           </a:p>
           <a:p>
             <a:pPr marL="342900" lvl="0" indent="-342900">
